--- a/Semifinal Presentation.pptx
+++ b/Semifinal Presentation.pptx
@@ -288,7 +288,7 @@
           <a:p>
             <a:fld id="{1F05E1F5-3734-7E4D-8ECE-B90C4080DF74}" type="datetimeFigureOut">
               <a:rPr lang="en-US" smtClean="0"/>
-              <a:t>11/28/16</a:t>
+              <a:t>11/29/16</a:t>
             </a:fld>
             <a:endParaRPr lang="en-US"/>
           </a:p>
@@ -458,7 +458,7 @@
           <a:p>
             <a:fld id="{1F05E1F5-3734-7E4D-8ECE-B90C4080DF74}" type="datetimeFigureOut">
               <a:rPr lang="en-US" smtClean="0"/>
-              <a:t>11/28/16</a:t>
+              <a:t>11/29/16</a:t>
             </a:fld>
             <a:endParaRPr lang="en-US"/>
           </a:p>
@@ -638,7 +638,7 @@
           <a:p>
             <a:fld id="{1F05E1F5-3734-7E4D-8ECE-B90C4080DF74}" type="datetimeFigureOut">
               <a:rPr lang="en-US" smtClean="0"/>
-              <a:t>11/28/16</a:t>
+              <a:t>11/29/16</a:t>
             </a:fld>
             <a:endParaRPr lang="en-US"/>
           </a:p>
@@ -808,7 +808,7 @@
           <a:p>
             <a:fld id="{1F05E1F5-3734-7E4D-8ECE-B90C4080DF74}" type="datetimeFigureOut">
               <a:rPr lang="en-US" smtClean="0"/>
-              <a:t>11/28/16</a:t>
+              <a:t>11/29/16</a:t>
             </a:fld>
             <a:endParaRPr lang="en-US"/>
           </a:p>
@@ -1054,7 +1054,7 @@
           <a:p>
             <a:fld id="{1F05E1F5-3734-7E4D-8ECE-B90C4080DF74}" type="datetimeFigureOut">
               <a:rPr lang="en-US" smtClean="0"/>
-              <a:t>11/28/16</a:t>
+              <a:t>11/29/16</a:t>
             </a:fld>
             <a:endParaRPr lang="en-US"/>
           </a:p>
@@ -1342,7 +1342,7 @@
           <a:p>
             <a:fld id="{1F05E1F5-3734-7E4D-8ECE-B90C4080DF74}" type="datetimeFigureOut">
               <a:rPr lang="en-US" smtClean="0"/>
-              <a:t>11/28/16</a:t>
+              <a:t>11/29/16</a:t>
             </a:fld>
             <a:endParaRPr lang="en-US"/>
           </a:p>
@@ -1764,7 +1764,7 @@
           <a:p>
             <a:fld id="{1F05E1F5-3734-7E4D-8ECE-B90C4080DF74}" type="datetimeFigureOut">
               <a:rPr lang="en-US" smtClean="0"/>
-              <a:t>11/28/16</a:t>
+              <a:t>11/29/16</a:t>
             </a:fld>
             <a:endParaRPr lang="en-US"/>
           </a:p>
@@ -1882,7 +1882,7 @@
           <a:p>
             <a:fld id="{1F05E1F5-3734-7E4D-8ECE-B90C4080DF74}" type="datetimeFigureOut">
               <a:rPr lang="en-US" smtClean="0"/>
-              <a:t>11/28/16</a:t>
+              <a:t>11/29/16</a:t>
             </a:fld>
             <a:endParaRPr lang="en-US"/>
           </a:p>
@@ -1977,7 +1977,7 @@
           <a:p>
             <a:fld id="{1F05E1F5-3734-7E4D-8ECE-B90C4080DF74}" type="datetimeFigureOut">
               <a:rPr lang="en-US" smtClean="0"/>
-              <a:t>11/28/16</a:t>
+              <a:t>11/29/16</a:t>
             </a:fld>
             <a:endParaRPr lang="en-US"/>
           </a:p>
@@ -2254,7 +2254,7 @@
           <a:p>
             <a:fld id="{1F05E1F5-3734-7E4D-8ECE-B90C4080DF74}" type="datetimeFigureOut">
               <a:rPr lang="en-US" smtClean="0"/>
-              <a:t>11/28/16</a:t>
+              <a:t>11/29/16</a:t>
             </a:fld>
             <a:endParaRPr lang="en-US"/>
           </a:p>
@@ -2507,7 +2507,7 @@
           <a:p>
             <a:fld id="{1F05E1F5-3734-7E4D-8ECE-B90C4080DF74}" type="datetimeFigureOut">
               <a:rPr lang="en-US" smtClean="0"/>
-              <a:t>11/28/16</a:t>
+              <a:t>11/29/16</a:t>
             </a:fld>
             <a:endParaRPr lang="en-US"/>
           </a:p>
@@ -2720,7 +2720,7 @@
           <a:p>
             <a:fld id="{1F05E1F5-3734-7E4D-8ECE-B90C4080DF74}" type="datetimeFigureOut">
               <a:rPr lang="en-US" smtClean="0"/>
-              <a:t>11/28/16</a:t>
+              <a:t>11/29/16</a:t>
             </a:fld>
             <a:endParaRPr lang="en-US"/>
           </a:p>
@@ -3103,7 +3103,7 @@
           </p:cNvPicPr>
           <p:nvPr/>
         </p:nvPicPr>
-        <p:blipFill>
+        <p:blipFill rotWithShape="1">
           <a:blip r:embed="rId2">
             <a:alphaModFix amt="56000"/>
             <a:extLst>
@@ -3112,14 +3112,13 @@
               </a:ext>
             </a:extLst>
           </a:blip>
-          <a:stretch>
-            <a:fillRect/>
-          </a:stretch>
+          <a:srcRect r="24875" b="15485"/>
+          <a:stretch/>
         </p:blipFill>
         <p:spPr>
           <a:xfrm>
             <a:off x="0" y="0"/>
-            <a:ext cx="12171688" cy="8114458"/>
+            <a:ext cx="9144000" cy="6858000"/>
           </a:xfrm>
           <a:prstGeom prst="rect">
             <a:avLst/>
@@ -3167,10 +3166,10 @@
           <a:lstStyle/>
           <a:p>
             <a:r>
-              <a:rPr lang="en-US" dirty="0" smtClean="0"/>
+              <a:rPr lang="en-US" sz="2000" dirty="0" smtClean="0"/>
               <a:t>   A problem; a solution:</a:t>
             </a:r>
-            <a:endParaRPr lang="en-US" dirty="0"/>
+            <a:endParaRPr lang="en-US" sz="2000" dirty="0"/>
           </a:p>
         </p:txBody>
       </p:sp>
@@ -3276,9 +3275,13 @@
           <a:p>
             <a:r>
               <a:rPr lang="en-US" dirty="0" smtClean="0"/>
-              <a:t>   Tools, and we don’t mean binoculars.</a:t>
-            </a:r>
-            <a:endParaRPr lang="en-US" dirty="0"/>
+              <a:t> </a:t>
+            </a:r>
+            <a:r>
+              <a:rPr lang="en-US" sz="2000" dirty="0" smtClean="0"/>
+              <a:t>  Tools, and we don’t mean binoculars.</a:t>
+            </a:r>
+            <a:endParaRPr lang="en-US" sz="2000" dirty="0"/>
           </a:p>
         </p:txBody>
       </p:sp>
@@ -3412,15 +3415,7 @@
                   <a:schemeClr val="accent3"/>
                 </a:solidFill>
               </a:rPr>
-              <a:t> Because </a:t>
-            </a:r>
-            <a:r>
-              <a:rPr lang="en-US" dirty="0" smtClean="0">
-                <a:solidFill>
-                  <a:schemeClr val="accent3"/>
-                </a:solidFill>
-              </a:rPr>
-              <a:t>the sky isn’t always blue.</a:t>
+              <a:t> Because the sky isn’t always blue.</a:t>
             </a:r>
           </a:p>
           <a:p>
@@ -3446,8 +3441,21 @@
                   <a:schemeClr val="accent3"/>
                 </a:solidFill>
               </a:rPr>
-              <a:t> </a:t>
-            </a:r>
+              <a:t> So you can extend a </a:t>
+            </a:r>
+            <a:r>
+              <a:rPr lang="en-US" dirty="0" smtClean="0">
+                <a:solidFill>
+                  <a:schemeClr val="accent3"/>
+                </a:solidFill>
+              </a:rPr>
+              <a:t>branch and ask a question.</a:t>
+            </a:r>
+            <a:endParaRPr lang="en-US" dirty="0" smtClean="0">
+              <a:solidFill>
+                <a:schemeClr val="accent3"/>
+              </a:solidFill>
+            </a:endParaRPr>
           </a:p>
           <a:p>
             <a:r>
